--- a/IBM-Data Science/Course 10_Applied_Data_Science_Capstone/Week 5 Present Your Data-Driven Insights/Data Science Journey.pptx
+++ b/IBM-Data Science/Course 10_Applied_Data_Science_Capstone/Week 5 Present Your Data-Driven Insights/Data Science Journey.pptx
@@ -308,7 +308,7 @@
           <a:p>
             <a:fld id="{1D8BD707-D9CF-40AE-B4C6-C98DA3205C09}" type="datetimeFigureOut">
               <a:rPr lang="en-US"/>
-              <a:t>8/26/2021</a:t>
+              <a:t>8/6/2022</a:t>
             </a:fld>
             <a:endParaRPr lang="en-US"/>
           </a:p>
@@ -491,7 +491,7 @@
           <a:p>
             <a:fld id="{1D8BD707-D9CF-40AE-B4C6-C98DA3205C09}" type="datetimeFigureOut">
               <a:rPr lang="en-US"/>
-              <a:t>8/26/2021</a:t>
+              <a:t>8/6/2022</a:t>
             </a:fld>
             <a:endParaRPr lang="en-US"/>
           </a:p>
@@ -711,7 +711,7 @@
           <a:p>
             <a:fld id="{1D8BD707-D9CF-40AE-B4C6-C98DA3205C09}" type="datetimeFigureOut">
               <a:rPr lang="en-US"/>
-              <a:t>8/26/2021</a:t>
+              <a:t>8/6/2022</a:t>
             </a:fld>
             <a:endParaRPr lang="en-US"/>
           </a:p>
@@ -1015,7 +1015,7 @@
           <a:p>
             <a:fld id="{1D8BD707-D9CF-40AE-B4C6-C98DA3205C09}" type="datetimeFigureOut">
               <a:rPr lang="en-US"/>
-              <a:t>8/26/2021</a:t>
+              <a:t>8/6/2022</a:t>
             </a:fld>
             <a:endParaRPr lang="en-US"/>
           </a:p>
@@ -1290,7 +1290,7 @@
           <a:p>
             <a:fld id="{1D8BD707-D9CF-40AE-B4C6-C98DA3205C09}" type="datetimeFigureOut">
               <a:rPr lang="en-US"/>
-              <a:t>8/26/2021</a:t>
+              <a:t>8/6/2022</a:t>
             </a:fld>
             <a:endParaRPr lang="en-US"/>
           </a:p>
@@ -1621,7 +1621,7 @@
           <a:p>
             <a:fld id="{1D8BD707-D9CF-40AE-B4C6-C98DA3205C09}" type="datetimeFigureOut">
               <a:rPr lang="en-US"/>
-              <a:t>8/26/2021</a:t>
+              <a:t>8/6/2022</a:t>
             </a:fld>
             <a:endParaRPr lang="en-US"/>
           </a:p>
@@ -2092,8 +2092,8 @@
         </p:nvSpPr>
         <p:spPr>
           <a:xfrm>
-            <a:off x="1176019" y="4300220"/>
-            <a:ext cx="5885180" cy="1422825"/>
+            <a:off x="1176018" y="4300220"/>
+            <a:ext cx="10558781" cy="1792157"/>
           </a:xfrm>
           <a:prstGeom prst="rect">
             <a:avLst/>
@@ -2114,14 +2114,14 @@
               </a:spcBef>
             </a:pPr>
             <a:r>
-              <a:rPr lang="en-IN" sz="2400" spc="-175" dirty="0">
+              <a:rPr lang="de-DE" sz="2400" spc="-175" dirty="0">
                 <a:solidFill>
                   <a:srgbClr val="616E52"/>
                 </a:solidFill>
                 <a:latin typeface="Arial"/>
                 <a:cs typeface="Arial"/>
               </a:rPr>
-              <a:t>Navas Sherif I</a:t>
+              <a:t>Zehui Bai</a:t>
             </a:r>
             <a:endParaRPr sz="2400" dirty="0">
               <a:latin typeface="Arial"/>
@@ -2146,7 +2146,7 @@
                 <a:cs typeface="Arial"/>
                 <a:hlinkClick r:id="rId2"/>
               </a:rPr>
-              <a:t>https://github.com/navassherif98</a:t>
+              <a:t>https://github.com/Zehuibai/Professional-Qualification/tree/main/IBM-Data%20Science/Course%2010_Applied_Data_Science_Capstone</a:t>
             </a:r>
             <a:endParaRPr lang="en-IN" sz="2400" spc="70" dirty="0">
               <a:solidFill>
@@ -2166,34 +2166,34 @@
               </a:spcBef>
             </a:pPr>
             <a:r>
-              <a:rPr sz="2400" spc="130" dirty="0">
+              <a:rPr lang="de-DE" sz="2400" spc="130" dirty="0">
                 <a:solidFill>
                   <a:srgbClr val="616E52"/>
                 </a:solidFill>
                 <a:latin typeface="Arial"/>
                 <a:cs typeface="Arial"/>
               </a:rPr>
-              <a:t>2</a:t>
-            </a:r>
-            <a:r>
-              <a:rPr lang="en-IN" sz="2400" spc="130" dirty="0">
+              <a:t>06</a:t>
+            </a:r>
+            <a:r>
+              <a:rPr sz="2400" spc="130" dirty="0">
                 <a:solidFill>
                   <a:srgbClr val="616E52"/>
                 </a:solidFill>
                 <a:latin typeface="Arial"/>
                 <a:cs typeface="Arial"/>
               </a:rPr>
-              <a:t>2</a:t>
-            </a:r>
-            <a:r>
-              <a:rPr sz="2400" spc="130" dirty="0">
+              <a:t>/08/202</a:t>
+            </a:r>
+            <a:r>
+              <a:rPr lang="de-DE" sz="2400" spc="130" dirty="0">
                 <a:solidFill>
                   <a:srgbClr val="616E52"/>
                 </a:solidFill>
                 <a:latin typeface="Arial"/>
                 <a:cs typeface="Arial"/>
               </a:rPr>
-              <a:t>/08/2021</a:t>
+              <a:t>2</a:t>
             </a:r>
             <a:endParaRPr sz="2400" dirty="0">
               <a:latin typeface="Arial"/>
@@ -2364,7 +2364,7 @@
         <p:spPr>
           <a:xfrm>
             <a:off x="467361" y="2091819"/>
-            <a:ext cx="11734799" cy="4082656"/>
+            <a:ext cx="11734799" cy="3627147"/>
           </a:xfrm>
           <a:prstGeom prst="rect">
             <a:avLst/>
@@ -3192,9 +3192,8 @@
                 </a:uFill>
                 <a:latin typeface="Carlito"/>
                 <a:cs typeface="Carlito"/>
-                <a:hlinkClick r:id="rId2"/>
-              </a:rPr>
-              <a:t>https://github.com/navassherif98/IBM_Data_Science_Professional_Certification/blob/master/10.Applied_Data_Science_Capstone/Week%201%20Introduction/Data%20wrangling%20.ipynb</a:t>
+              </a:rPr>
+              <a:t>https://github.com/Zehuibai/Professional-Qualification/tree/main/IBM-Data%20Science/Course%2010_Applied_Data_Science_Capstone/Week%201%20Introduction</a:t>
             </a:r>
             <a:endParaRPr sz="2000" dirty="0">
               <a:latin typeface="Carlito"/>
@@ -3282,8 +3281,8 @@
         </p:nvSpPr>
         <p:spPr>
           <a:xfrm>
-            <a:off x="916635" y="543559"/>
-            <a:ext cx="6534150" cy="756920"/>
+            <a:off x="916634" y="543559"/>
+            <a:ext cx="7389165" cy="751488"/>
           </a:xfrm>
           <a:prstGeom prst="rect">
             <a:avLst/>
@@ -3306,6 +3305,10 @@
             <a:r>
               <a:rPr spc="-670" dirty="0"/>
               <a:t>EDA </a:t>
+            </a:r>
+            <a:r>
+              <a:rPr lang="de-DE" spc="-670" dirty="0"/>
+              <a:t> </a:t>
             </a:r>
             <a:r>
               <a:rPr spc="-45" dirty="0"/>
@@ -3369,7 +3372,7 @@
         <p:spPr>
           <a:xfrm>
             <a:off x="1176019" y="1824608"/>
-            <a:ext cx="9963150" cy="3583940"/>
+            <a:ext cx="9963150" cy="3300262"/>
           </a:xfrm>
           <a:prstGeom prst="rect">
             <a:avLst/>
@@ -4223,9 +4226,8 @@
                 </a:uFill>
                 <a:latin typeface="Carlito"/>
                 <a:cs typeface="Carlito"/>
-                <a:hlinkClick r:id="rId2"/>
-              </a:rPr>
-              <a:t>https://github.com/navassherif98/IBM_Data_Science_Professional_Certification/blob/master/10.Applied_Data_Science_Capstone/Week%202%20EDA/EDA%20with%20Visualization.ipynb</a:t>
+              </a:rPr>
+              <a:t>https://github.com/Zehuibai/Professional-Qualification/tree/main/IBM-Data%20Science/Course%2010_Applied_Data_Science_Capstone/Week%202%20EDA</a:t>
             </a:r>
             <a:endParaRPr sz="2000" dirty="0">
               <a:latin typeface="Carlito"/>
@@ -4314,7 +4316,7 @@
         <p:spPr>
           <a:xfrm>
             <a:off x="916635" y="543559"/>
-            <a:ext cx="3245485" cy="756920"/>
+            <a:ext cx="4112565" cy="751488"/>
           </a:xfrm>
           <a:prstGeom prst="rect">
             <a:avLst/>
@@ -4337,6 +4339,10 @@
             <a:r>
               <a:rPr spc="-670" dirty="0"/>
               <a:t>EDA </a:t>
+            </a:r>
+            <a:r>
+              <a:rPr lang="de-DE" spc="-670" dirty="0"/>
+              <a:t> </a:t>
             </a:r>
             <a:r>
               <a:rPr spc="-45" dirty="0"/>
@@ -4396,7 +4402,7 @@
         <p:spPr>
           <a:xfrm>
             <a:off x="1176019" y="1622485"/>
-            <a:ext cx="9687560" cy="3925570"/>
+            <a:ext cx="9687560" cy="3437608"/>
           </a:xfrm>
           <a:prstGeom prst="rect">
             <a:avLst/>
@@ -4925,9 +4931,8 @@
                 </a:uFill>
                 <a:latin typeface="Carlito"/>
                 <a:cs typeface="Carlito"/>
-                <a:hlinkClick r:id="rId2"/>
-              </a:rPr>
-              <a:t>https://github.com/navassherif98/IBM_Data_Science_Professional_Certification/blob/master/10.Applied_Data_Science_Capstone/Week%202%20EDA/EDA%20with%20SQL.ipynb</a:t>
+              </a:rPr>
+              <a:t>https://github.com/Zehuibai/Professional-Qualification/tree/main/IBM-Data%20Science/Course%2010_Applied_Data_Science_Capstone/Week%202%20EDA</a:t>
             </a:r>
             <a:endParaRPr sz="2000" dirty="0">
               <a:latin typeface="Carlito"/>
@@ -5559,9 +5564,8 @@
                 </a:uFill>
                 <a:latin typeface="Carlito"/>
                 <a:cs typeface="Carlito"/>
-                <a:hlinkClick r:id="rId2"/>
-              </a:rPr>
-              <a:t>https://github.com/navassherif98/IBM_Data_Science_Professional_Certification/blob/master/10.Applied_Data_Science_Capstone/Week%203%20Interactive%20Visual%20Analytics%20and%20Dashboard/Interactive%20Visual%20Analytics%20with%20Folium.ipynb</a:t>
+              </a:rPr>
+              <a:t>https://github.com/Zehuibai/Professional-Qualification/tree/main/IBM-Data%20Science/Course%2010_Applied_Data_Science_Capstone/Week%203%20Interactive%20Visual%20Analytics%20and%20Dashboard</a:t>
             </a:r>
             <a:endParaRPr sz="2000" dirty="0">
               <a:latin typeface="Carlito"/>
@@ -6616,9 +6620,8 @@
                 </a:uFill>
                 <a:latin typeface="Carlito"/>
                 <a:cs typeface="Carlito"/>
-                <a:hlinkClick r:id="rId2"/>
-              </a:rPr>
-              <a:t>https://github.com/navassherif98/IBM_Data_Science_Professional_Certification/blob/master/10.Applied_Data_Science_Capstone/Week%203%20Interactive%20Visual%20Analytics%20and%20Dashboard/spacex_dash_app.py</a:t>
+              </a:rPr>
+              <a:t>https://github.com/Zehuibai/Professional-Qualification/tree/main/IBM-Data%20Science/Course%2010_Applied_Data_Science_Capstone/Week%203%20Interactive%20Visual%20Analytics%20and%20Dashboard</a:t>
             </a:r>
             <a:endParaRPr sz="2000" dirty="0">
               <a:latin typeface="Carlito"/>
@@ -6755,7 +6758,7 @@
         <p:spPr>
           <a:xfrm>
             <a:off x="533401" y="2472309"/>
-            <a:ext cx="3061208" cy="2796278"/>
+            <a:ext cx="3061208" cy="3104055"/>
           </a:xfrm>
           <a:prstGeom prst="rect">
             <a:avLst/>
@@ -6846,9 +6849,8 @@
               <a:rPr lang="en-IN" sz="2000" dirty="0">
                 <a:latin typeface="Carlito"/>
                 <a:cs typeface="Carlito"/>
-                <a:hlinkClick r:id="rId2"/>
-              </a:rPr>
-              <a:t>https://github.com/navassherif98/IBM_Data_Science_Professional_Certification/blob/master/10.Applied_Data_Science_Capstone/Week%204%20Predictive%20Analysis%20(Classification)/Machine%20Learning%20Prediction.ipynb</a:t>
+              </a:rPr>
+              <a:t>https://github.com/Zehuibai/Professional-Qualification/tree/main/IBM-Data%20Science/Course%2010_Applied_Data_Science_Capstone/Week%204%20Predictive%20Analysis%20(Classification)</a:t>
             </a:r>
             <a:endParaRPr sz="2000" dirty="0">
               <a:latin typeface="Carlito"/>
@@ -21095,8 +21097,8 @@
         </p:nvSpPr>
         <p:spPr>
           <a:xfrm>
-            <a:off x="838200" y="1755648"/>
-            <a:ext cx="5811011" cy="4885944"/>
+            <a:off x="918970" y="1737360"/>
+            <a:ext cx="5558029" cy="4615647"/>
           </a:xfrm>
           <a:prstGeom prst="rect">
             <a:avLst/>
@@ -31447,8 +31449,8 @@
         </p:nvSpPr>
         <p:spPr>
           <a:xfrm>
-            <a:off x="1176019" y="1496901"/>
-            <a:ext cx="8401050" cy="3782446"/>
+            <a:off x="1176018" y="1496901"/>
+            <a:ext cx="10482581" cy="3936334"/>
           </a:xfrm>
           <a:prstGeom prst="rect">
             <a:avLst/>
@@ -31556,20 +31558,28 @@
                 <a:cs typeface="Carlito"/>
                 <a:hlinkClick r:id="rId2"/>
               </a:rPr>
-              <a:t>https://github.com/navassherif98/IBM_Data_Science_Professional_Certification</a:t>
-            </a:r>
-            <a:endParaRPr sz="2000" dirty="0">
+              <a:t>https://github.com/Zehuibai/Professional-Qualification/tree/main/IBM-Data%20Science</a:t>
+            </a:r>
+            <a:endParaRPr lang="en-IN" sz="2000" u="heavy" spc="-10" dirty="0">
+              <a:solidFill>
+                <a:srgbClr val="800080"/>
+              </a:solidFill>
+              <a:uFill>
+                <a:solidFill>
+                  <a:srgbClr val="800080"/>
+                </a:solidFill>
+              </a:uFill>
               <a:latin typeface="Carlito"/>
               <a:cs typeface="Carlito"/>
             </a:endParaRPr>
           </a:p>
           <a:p>
-            <a:pPr>
+            <a:pPr marL="12700">
               <a:lnSpc>
                 <a:spcPct val="100000"/>
               </a:lnSpc>
               <a:spcBef>
-                <a:spcPts val="40"/>
+                <a:spcPts val="1200"/>
               </a:spcBef>
             </a:pPr>
             <a:endParaRPr sz="1750" dirty="0">
@@ -36350,7 +36360,7 @@
         <p:spPr>
           <a:xfrm>
             <a:off x="535635" y="5215508"/>
-            <a:ext cx="2988945" cy="1271117"/>
+            <a:ext cx="2988945" cy="1065676"/>
           </a:xfrm>
           <a:prstGeom prst="rect">
             <a:avLst/>
@@ -36382,9 +36392,8 @@
                 </a:uFill>
                 <a:latin typeface="Carlito"/>
                 <a:cs typeface="Carlito"/>
-                <a:hlinkClick r:id="rId23"/>
-              </a:rPr>
-              <a:t>https://github.com/navassherif98/IBM_Data_Science_Professional_Certification/blob/master/10.Applied_Data_Science_Capstone/Week%201%20Introduction/Data%20Collection%20Api%20.ipynb</a:t>
+              </a:rPr>
+              <a:t>https://github.com/Zehuibai/Professional-Qualification/tree/main/IBM-Data%20Science/Course%2010_Applied_Data_Science_Capstone/Week%201%20Introduction</a:t>
             </a:r>
             <a:endParaRPr sz="1500" dirty="0">
               <a:solidFill>
@@ -38193,7 +38202,7 @@
         <p:spPr>
           <a:xfrm>
             <a:off x="535635" y="4830826"/>
-            <a:ext cx="2988945" cy="1282402"/>
+            <a:ext cx="2988945" cy="1074653"/>
           </a:xfrm>
           <a:prstGeom prst="rect">
             <a:avLst/>
@@ -38225,9 +38234,8 @@
                 </a:uFill>
                 <a:latin typeface="Carlito"/>
                 <a:cs typeface="Carlito"/>
-                <a:hlinkClick r:id="rId17"/>
-              </a:rPr>
-              <a:t>https://github.com/navassherif98/IBM_Data_Science_Professional_Certification/blob/master/10.Applied_Data_Science_Capstone/Week%201%20Introduction/Data%20Collection%20with%20Web%20Scraping.ipynb</a:t>
+              </a:rPr>
+              <a:t>https://github.com/Zehuibai/Professional-Qualification/tree/main/IBM-Data%20Science/Course%2010_Applied_Data_Science_Capstone/Week%201%20Introduction</a:t>
             </a:r>
             <a:endParaRPr lang="en-IN" sz="1500" dirty="0">
               <a:latin typeface="Carlito"/>
